--- a/Meet.pptx
+++ b/Meet.pptx
@@ -104,6 +104,11 @@
       </a:defRPr>
     </a:lvl9pPr>
   </p:defaultTextStyle>
+  <p:extLst>
+    <p:ext uri="{EFAFB233-063F-42B5-8137-9DF3F51BA10A}">
+      <p15:sldGuideLst xmlns:p15="http://schemas.microsoft.com/office/powerpoint/2012/main"/>
+    </p:ext>
+  </p:extLst>
 </p:presentation>
 </file>
 
@@ -285,7 +290,7 @@
           <a:p>
             <a:fld id="{FFC77B63-1BC9-4FE9-845F-F369FB5203D7}" type="datetimeFigureOut">
               <a:rPr lang="en-IN" smtClean="0"/>
-              <a:t>03-06-2022</a:t>
+              <a:t>04-06-2022</a:t>
             </a:fld>
             <a:endParaRPr lang="en-IN"/>
           </a:p>
@@ -485,7 +490,7 @@
           <a:p>
             <a:fld id="{FFC77B63-1BC9-4FE9-845F-F369FB5203D7}" type="datetimeFigureOut">
               <a:rPr lang="en-IN" smtClean="0"/>
-              <a:t>03-06-2022</a:t>
+              <a:t>04-06-2022</a:t>
             </a:fld>
             <a:endParaRPr lang="en-IN"/>
           </a:p>
@@ -695,7 +700,7 @@
           <a:p>
             <a:fld id="{FFC77B63-1BC9-4FE9-845F-F369FB5203D7}" type="datetimeFigureOut">
               <a:rPr lang="en-IN" smtClean="0"/>
-              <a:t>03-06-2022</a:t>
+              <a:t>04-06-2022</a:t>
             </a:fld>
             <a:endParaRPr lang="en-IN"/>
           </a:p>
@@ -895,7 +900,7 @@
           <a:p>
             <a:fld id="{FFC77B63-1BC9-4FE9-845F-F369FB5203D7}" type="datetimeFigureOut">
               <a:rPr lang="en-IN" smtClean="0"/>
-              <a:t>03-06-2022</a:t>
+              <a:t>04-06-2022</a:t>
             </a:fld>
             <a:endParaRPr lang="en-IN"/>
           </a:p>
@@ -1171,7 +1176,7 @@
           <a:p>
             <a:fld id="{FFC77B63-1BC9-4FE9-845F-F369FB5203D7}" type="datetimeFigureOut">
               <a:rPr lang="en-IN" smtClean="0"/>
-              <a:t>03-06-2022</a:t>
+              <a:t>04-06-2022</a:t>
             </a:fld>
             <a:endParaRPr lang="en-IN"/>
           </a:p>
@@ -1439,7 +1444,7 @@
           <a:p>
             <a:fld id="{FFC77B63-1BC9-4FE9-845F-F369FB5203D7}" type="datetimeFigureOut">
               <a:rPr lang="en-IN" smtClean="0"/>
-              <a:t>03-06-2022</a:t>
+              <a:t>04-06-2022</a:t>
             </a:fld>
             <a:endParaRPr lang="en-IN"/>
           </a:p>
@@ -1854,7 +1859,7 @@
           <a:p>
             <a:fld id="{FFC77B63-1BC9-4FE9-845F-F369FB5203D7}" type="datetimeFigureOut">
               <a:rPr lang="en-IN" smtClean="0"/>
-              <a:t>03-06-2022</a:t>
+              <a:t>04-06-2022</a:t>
             </a:fld>
             <a:endParaRPr lang="en-IN"/>
           </a:p>
@@ -1996,7 +2001,7 @@
           <a:p>
             <a:fld id="{FFC77B63-1BC9-4FE9-845F-F369FB5203D7}" type="datetimeFigureOut">
               <a:rPr lang="en-IN" smtClean="0"/>
-              <a:t>03-06-2022</a:t>
+              <a:t>04-06-2022</a:t>
             </a:fld>
             <a:endParaRPr lang="en-IN"/>
           </a:p>
@@ -2109,7 +2114,7 @@
           <a:p>
             <a:fld id="{FFC77B63-1BC9-4FE9-845F-F369FB5203D7}" type="datetimeFigureOut">
               <a:rPr lang="en-IN" smtClean="0"/>
-              <a:t>03-06-2022</a:t>
+              <a:t>04-06-2022</a:t>
             </a:fld>
             <a:endParaRPr lang="en-IN"/>
           </a:p>
@@ -2422,7 +2427,7 @@
           <a:p>
             <a:fld id="{FFC77B63-1BC9-4FE9-845F-F369FB5203D7}" type="datetimeFigureOut">
               <a:rPr lang="en-IN" smtClean="0"/>
-              <a:t>03-06-2022</a:t>
+              <a:t>04-06-2022</a:t>
             </a:fld>
             <a:endParaRPr lang="en-IN"/>
           </a:p>
@@ -2711,7 +2716,7 @@
           <a:p>
             <a:fld id="{FFC77B63-1BC9-4FE9-845F-F369FB5203D7}" type="datetimeFigureOut">
               <a:rPr lang="en-IN" smtClean="0"/>
-              <a:t>03-06-2022</a:t>
+              <a:t>04-06-2022</a:t>
             </a:fld>
             <a:endParaRPr lang="en-IN"/>
           </a:p>
@@ -2954,7 +2959,7 @@
           <a:p>
             <a:fld id="{FFC77B63-1BC9-4FE9-845F-F369FB5203D7}" type="datetimeFigureOut">
               <a:rPr lang="en-IN" smtClean="0"/>
-              <a:t>03-06-2022</a:t>
+              <a:t>04-06-2022</a:t>
             </a:fld>
             <a:endParaRPr lang="en-IN"/>
           </a:p>
@@ -3428,6 +3433,42 @@
           </a:p>
         </p:txBody>
       </p:sp>
+      <p:pic>
+        <p:nvPicPr>
+          <p:cNvPr id="5" name="Picture 4">
+            <a:extLst>
+              <a:ext uri="{FF2B5EF4-FFF2-40B4-BE49-F238E27FC236}">
+                <a16:creationId xmlns:a16="http://schemas.microsoft.com/office/drawing/2014/main" id="{CAA82A5F-4AFB-4835-785C-7B6689CFCFB8}"/>
+              </a:ext>
+            </a:extLst>
+          </p:cNvPr>
+          <p:cNvPicPr>
+            <a:picLocks noChangeAspect="1"/>
+          </p:cNvPicPr>
+          <p:nvPr/>
+        </p:nvPicPr>
+        <p:blipFill>
+          <a:blip r:embed="rId2">
+            <a:extLst>
+              <a:ext uri="{28A0092B-C50C-407E-A947-70E740481C1C}">
+                <a14:useLocalDpi xmlns:a14="http://schemas.microsoft.com/office/drawing/2010/main" val="0"/>
+              </a:ext>
+            </a:extLst>
+          </a:blip>
+          <a:stretch>
+            <a:fillRect/>
+          </a:stretch>
+        </p:blipFill>
+        <p:spPr>
+          <a:xfrm>
+            <a:off x="965200" y="16933"/>
+            <a:ext cx="10261600" cy="6841067"/>
+          </a:xfrm>
+          <a:prstGeom prst="rect">
+            <a:avLst/>
+          </a:prstGeom>
+        </p:spPr>
+      </p:pic>
     </p:spTree>
     <p:extLst>
       <p:ext uri="{BB962C8B-B14F-4D97-AF65-F5344CB8AC3E}">
